--- a/Estimating.pptx
+++ b/Estimating.pptx
@@ -13159,7 +13159,7 @@
           <a:graphicData uri="http://schemas.openxmlformats.org/presentationml/2006/ole">
             <mc:AlternateContent xmlns:mc="http://schemas.openxmlformats.org/markup-compatibility/2006">
               <mc:Choice xmlns:v="urn:schemas-microsoft-com:vml" Requires="v">
-                <p:oleObj spid="_x0000_s4182" name="Præsentation" r:id="rId12" imgW="0" imgH="0" progId="PowerPoint.Show.8">
+                <p:oleObj spid="_x0000_s4183" name="Præsentation" r:id="rId12" imgW="0" imgH="0" progId="PowerPoint.Show.8">
                   <p:embed/>
                 </p:oleObj>
               </mc:Choice>
